--- a/images/experiments/anatomy.pptx
+++ b/images/experiments/anatomy.pptx
@@ -675,7 +675,7 @@
       <inkml:brushProperty name="height" value="0.1" units="cm"/>
     </inkml:brush>
   </inkml:definitions>
-  <inkml:trace contextRef="#ctx0" brushRef="#br0">118 93 24575,'9'0'0,"5"0"0,-1 0 0,-2 0 0,4 0 0,-2 0 0,2 0 0,2 0 0,-5 0 0,3 0 0,-3 0 0,4 0 0,0 0 0,1 0 0,2 0 0,4 0 0,2 0 0,2 0 0,4 0 0,2 0 0,6 0 0,-1 0 0,0 0 0,1 0 0,-1-4 0,0-1 0,1-1 0,-1-2 0,-5 3 0,-1-5 0,0 1 0,-5 4 0,5-3 0,-5 7 0,-6-3 0,5 4 0,-5 0 0,6-4 0,4 3 0,-3-3 0,9 4 0,-5-4 0,6 3 0,5-3 0,-4-1 0,5 4 0,-5-3 0,-1 4 0,1 0 0,-1 0 0,-5 0 0,4 0 0,-10 0 0,6 0 0,-2 0 0,-8 0 0,8 0 0,-14 0 0,4 0 0,-6 0 0,-2 0 0,2 0 0,-7 0 0,7 0 0,-7 0 0,7 0 0,-3 0 0,5 0 0,4 0 0,0 0 0,24 5 0,-15-4 0,26 9 0,-15-9 0,17 9 0,-4-9 0,4 4 0,-6-5 0,0 0 0,0 0 0,5 0 0,-9 0 0,-4 0 0,-7 0 0,-4 0 0,5 5 0,1-4 0,-1 7 0,7-7 0,0 4 0,12-1 0,8 1 0,-8-2 0,1 0 0,10 4 0,-2 0 0,20-2 0,-48 3 0,-16-4 0,4 1 0,-9 3 0,8-8 0,-4 4 0,1-4 0,3 0 0,-2 0 0,3 0 0,-4 0 0,3 0 0,-3 0 0,4 0 0,-4 0 0,8 0 0,-7 0 0,14 0 0,2 0 0,8 0 0,-2 0 0,5 0 0,-10 0 0,5 0 0,-7 0 0,0 0 0,-5 0 0,4 0 0,-9 0 0,4 0 0,-10 0 0,3 0 0,-8 0 0,4 0 0,-6 0 0,2-4 0,-6 4 0,5-4 0,-8 4 0,3 0 0,1 0 0,-4 0 0,3 0 0,-4 0 0,4 0 0,-3 0 0,4 0 0,-2 0 0,-2 0 0,3 0 0,-4 0 0,0 0 0,0 0 0,1 0 0,-1 3 0,0 1 0,0 4 0,5-1 0,-4 5 0,7 1 0,-6-1 0,6 3 0,-3-2 0,1 3 0,2 5 0,-6-4 0,4 4 0,-5-4 0,-1-1 0,2 5 0,-1-8 0,0 7 0,-4-7 0,3-1 0,-6-1 0,2 1 0,0-4 0,-2 7 0,3-2 0,-1-1 0,-2 3 0,1-2 0,-2 3 0,0-4 0,4 4 0,-3-4 0,6 0 0,-6 4 0,5-4 0,-1 4 0,3 5 0,-3-3 0,3 7 0,-3-2 0,0 3 0,-2 1 0,1-5 0,-3 4 0,2-4 0,-3 5 0,0 0 0,0 0 0,0 0 0,0 0 0,0-1 0,4-3 0,-4 2 0,5-11 0,-2 6 0,1-12 0,0 3 0,-1-4 0,-3 15 0,0 2 0,0 10 0,0 3 0,0-3 0,0 11 0,0 8 0,0 2 0,0 4 0,0-6 0,0-6 0,0 4 0,0-5 0,5 7 0,0-7 0,6 5 0,-2-10 0,1 4 0,-4-6 0,-2 0 0,-4 0 0,0-6 0,0-5 0,0-3 0,0-2 0,0-1 0,0 3 0,0-7 0,0 3 0,0-5 0,0 5 0,0-3 0,0 3 0,0-5 0,0 5 0,0-4 0,0 4 0,0-4 0,0-1 0,0 0 0,3 1 0,-2-1 0,3 0 0,0 1 0,-4-1 0,4 0 0,-4 5 0,0-3 0,0 7 0,0-3 0,4 5 0,-3 0 0,3 5 0,-4-3 0,0 3 0,4 0 0,-2-4 0,2 4 0,-4-5 0,3 0 0,2 0 0,3-9 0,-3-2 0,2-9 0,-3-3 0,-1 9 0,1 12 0,-4 13 0,0 9 0,0-2 0,0-6 0,0 0 0,0-6 0,0 18 0,0-8 0,0 16 0,0-7 0,0 0 0,0 1 0,0-7 0,0-1 0,0 0 0,0-9 0,0 7 0,0-15 0,0 5 0,0-1 0,0-9 0,0 8 0,0-8 0,0 3 0,0-3 0,0 2 0,0-3 0,0 5 0,0 0 0,0 0 0,0 0 0,0 0 0,0-1 0,0 1 0,0 0 0,0 0 0,0 5 0,0-8 0,0 7 0,0-9 0,0 5 0,0-5 0,0 3 0,0-3 0,0 5 0,0 0 0,0-5 0,0 4 0,0-4 0,0 5 0,0-5 0,0 4 0,0-9 0,0 9 0,0-5 0,5 11 0,-5 1 0,4 6 0,-4 0 0,0 6 0,5-5 0,-5 5 0,5-6 0,-1-5 0,-3-2 0,7-5 0,-7 0 0,7 0 0,-7-1 0,3 7 0,-4-5 0,0 9 0,0-3 0,0 10 0,0-3 0,0 4 0,0-11 0,0 3 0,0-9 0,0 10 0,0-10 0,0 4 0,0 0 0,0 2 0,0 5 0,0 6 0,0-5 0,0 11 0,0-4 0,0-1 0,0-1 0,0-7 0,0 1 0,0-5 0,3-2 0,-2-5 0,7 0 0,-7-5 0,3 3 0,-4-2 0,0 9 0,0-4 0,0 21 0,0-18 0,0 19 0,0-22 0,0 4 0,0-5 0,0-1 0,0-4 0,0-1 0,0-4 0,0-1 0,0 0 0,0 1 0,0-5 0,0-1 0,0-3 0,0-1 0,0 0 0,0 21 0,0 11 0,0 22 0,0 7 0,0 0 0,0 0 0,0 0 0,0 0 0,0-7 0,0-2 0,0 8 0,0-4 0,0 6 0,0-10 0,-4-12 0,2-7 0,-2-3 0,4-8 0,-4 3 0,3-5 0,-2-1 0,3 1 0,0 0 0,0-5 0,0 4 0,0-4 0,0 0 0,0-1 0,0 0 0,0-3 0,0 3 0,0-5 0,0 0 0,0 0 0,0 1 0,0 4 0,0-4 0,0 4 0,0-4 0,0 4 0,0-4 0,0 9 0,0-4 0,0 0 0,0 4 0,0-9 0,0 9 0,0-9 0,0 9 0,0-8 0,0 2 0,0-3 0,0-1 0,0 0 0,-3-3 0,2 2 0,-7-3 0,4 5 0,0-5 0,-3-1 0,6-3 0,-5-1 0,2 0 0,-3 1 0,-1-1 0,-3 4 0,-1-2 0,-4 7 0,-4-3 0,-3 0 0,-3 4 0,4-7 0,-2 2 0,-4 2 0,1-4 0,-10 4 0,4-5 0,-5 1 0,-18 4 0,19-4 0,-16 4 0,24-5 0,-2 0 0,5 0 0,3-4 0,3 3 0,4-7 0,0 3 0,0-1 0,-5-2 0,4 6 0,-8-2 0,7 0 0,-7 3 0,8-7 0,-3 6 0,-1-6 0,4 7 0,-4-8 0,4 4 0,-3 0 0,3-3 0,-3 3 0,3-4 0,-4 0 0,0 0 0,-1 0 0,-3 0 0,3 0 0,-4 0 0,-1 0 0,6 0 0,-5 0 0,5 0 0,-6 0 0,5 0 0,-3 0 0,3 0 0,-4 0 0,0 0 0,-1 0 0,-4 0 0,3 0 0,-8 0 0,8 0 0,-9 0 0,9 4 0,-3-3 0,-1 3 0,4 0 0,-9-3 0,4 3 0,-5 0 0,0-3 0,-1 8 0,1-4 0,0 1 0,-1 2 0,1-2 0,-1 4 0,1-5 0,5 3 0,-3-7 0,8 7 0,-4-7 0,6 3 0,-1-4 0,1 0 0,0 0 0,-1 0 0,1 0 0,-1 0 0,1 0 0,-6 0 0,4 0 0,-3 4 0,4-3 0,1 3 0,4-4 0,1 0 0,0 0 0,5 0 0,-5 0 0,9 0 0,-3 0 0,2 0 0,1 0 0,-3 0 0,3 0 0,-4 0 0,0 0 0,-4 0 0,2 0 0,-7 0 0,3 0 0,1 0 0,-5 0 0,9 0 0,-8 0 0,8 0 0,-9 0 0,10 0 0,-10 0 0,4 0 0,-4-4 0,4 3 0,-3-3 0,3 4 0,-5-4 0,6 3 0,-5-3 0,9 1 0,-3 2 0,7-3 0,-1 4 0,1 0 0,-3 0 0,0 0 0,3 0 0,-1 0 0,2-3 0,-4 2 0,-8-3 0,10 1 0,-8 2 0,14-2 0,-7-1 0,7 3 0,-7-3 0,6 4 0,-10 0 0,5 0 0,-6 0 0,4 0 0,-5 0 0,4 0 0,-9 0 0,10 0 0,-10 0 0,9 0 0,-4 0 0,1 0 0,2 0 0,-2 0 0,4 0 0,0-3 0,-5 2 0,4-6 0,-8 6 0,3-7 0,0 7 0,-3-3 0,8 4 0,-8 0 0,7-3 0,-7 2 0,7-3 0,-6 4 0,6 0 0,-7-4 0,8 3 0,-8-7 0,3 7 0,-4-7 0,-1 7 0,6-6 0,-5 6 0,5-7 0,-1 4 0,1-1 0,6-2 0,-2 6 0,1-7 0,4 8 0,-3-8 0,7 7 0,-3-2 0,4 3 0,-1 0 0,1 0 0,0 0 0,0 0 0,-1 0 0,1 0 0,0 0 0,0 0 0,-1 0 0,5-3 0,-6 2 0,4-2 0,-5 3 0,-1 0 0,3 3 0,-3-2 0,3 2 0,2 1 0,-2-4 0,4 7 0,-2-7 0,2 3 0,-3-3 0,1 0 0,3-5 0,-1-9 0,4-7 0,0-5 0,0-1 0,-7 0 0,1 5 0,-6-4 0,0 8 0,3 1 0,-3 2 0,4-2 0,0 0 0,3-9 0,-2 9 0,6-9 0,-3 4 0,1-5 0,-2 0 0,0 0 0,-3 0 0,4 5 0,-1 1 0,-3 5 0,4-5 0,-1 3 0,1-7 0,4 3 0,0-11 0,0 0 0,0-6 0,0 0 0,5-6 0,0-7 0,1 4 0,-2 2 0,-4 14 0,0 5 0,0 0 0,0-5 0,0 4 0,5-23 0,0 20 0,5-19 0,0 10 0,-1-1 0,-3 5 0,-2-1 0,-4 7 0,0-9 0,-5-29 0,-3 2 0,-9-27 0,4 8 0,-4 14 0,6-10 0,-1 11 0,0-7 0,7 1 0,0 9 0,5-1 0,0 0 0,0 7 0,0 1 0,0 14 0,-5-6 0,-1 6 0,-4-1 0,-1-4 0,2 16 0,-1-9 0,2 16 0,-2-4 0,6 0 0,-4 3 0,7-8 0,-7 3 0,7-5 0,-8 0 0,8 0 0,-8-20 0,-2 9 0,-1-24 0,-4 5 0,9 12 0,-3-22 0,8 49 0,-3-39 0,5 21 0,0-37 0,5-2-578,-4 37 1,0-2 577,4-8 0,2-4 0,-3-4 0,0-3-1073,0-12 0,1-3 1073,-1 2 0,-2 0 0,-2 5 0,0 1-697,0 0 1,0 1 696,0 4 0,0 2-474,0 7 0,0 2 474,0-6 0,0 5 566,0-14-566,0 23 0,0 3 0,0-8 0,3 5 0,0-1 0,-1-6 1925,3-22-1925,-5 30 1529,0-1-1529,0 0 1205,0 3-1205,0 11 417,0-5-417,0 0 0,0 4 0,0-4 0,0 6 0,0 0 0,0 15 0,0-12 0,0 12 0,0-21 0,0-2 0,0-6 0,0-22 0,0-6 0,0 31 0,0-2 0,0-5 0,0 2 0,0-28 0,0-15 0,0 28 0,0-7 0,0 2 0,0 19 0,0 5 0,0 18 0,0 1 0,0 10 0,0 1 0,0 0 0,0 8 0,0-7 0,0 8 0,0-5 0,0 5 0,0-3 0,0 6 0,0-6 0,0 7 0,0-4 0,0 5 0,0 0 0,0-1 0,-3-3 0,2 3 0,-2-8 0,3 4 0,0-9 0,0 4 0,0-4 0,0 0 0,0 3 0,0 1 0,0 2 0,0 2 0,0-3 0,0 0 0,0-5 0,0-1 0,0 0 0,0-4 0,0 9 0,0-21 0,0 18 0,0-13 0,0 17 0,0 0 0,0-1 0,0 1 0,0 0 0,0-1 0,0 1 0,0 4 0,0-4 0,3 4 0,-2-4 0,2 3 0,-3-2 0,4 7 0,-3-8 0,2 8 0,-3-7 0,3 3 0,-2-1 0,3 2 0,-4 0 0,0 2 0,0-6 0,0 3 0,0-1 0,0-2 0,0 3 0,3-5 0,2 5 0,-1-3 0,2 6 0,-5-2 0,6 4 0,-6-1 0,2 1 0,-3-2 0,0-2 0,0-4 0,0-1 0,0 0 0,0-1 0,0 1 0,3 4 0,-2 1 0,1 3 0,-2 1 0,0 0 0,0 0 0,0 0 0,0 0 0,0-1 0,0 1 0,0 0 0,0 0 0,0 0 0,0-1 0,0 1 0,0 0 0,0 0 0,0 0 0,0 0 0,0 0 0,0 0 0,0 0 0,0 0 0,4 3 0,-3 0 0,2 4 0</inkml:trace>
+  <inkml:trace contextRef="#ctx0" brushRef="#br0">114 86 24575,'9'0'0,"5"0"0,-2 0 0,-1 0 0,3 0 0,-2 0 0,4 0 0,0 0 0,-5 0 0,4 0 0,-4 0 0,5 0 0,-1 0 0,1 0 0,3 0 0,3 0 0,3 0 0,0 0 0,6 0 0,1 0 0,5 0 0,0 0 0,0 0 0,0 0 0,0-3 0,0-2 0,0-1 0,0-1 0,-5 2 0,-1-4 0,-1 1 0,-3 3 0,4-2 0,-5 6 0,-6-3 0,5 4 0,-4 0 0,4-4 0,6 3 0,-4-2 0,9 3 0,-6-4 0,7 3 0,5-3 0,-4 0 0,4 3 0,-4-3 0,-1 4 0,0 0 0,0 0 0,-5 0 0,4 0 0,-10 0 0,5 0 0,0 0 0,-9 0 0,8 0 0,-14 0 0,4 0 0,-5 0 0,-3 0 0,3 0 0,-7 0 0,6 0 0,-6 0 0,7 0 0,-3 0 0,4 0 0,4 0 0,0 0 0,23 5 0,-13-4 0,24 8 0,-15-8 0,17 8 0,-4-8 0,5 4 0,-7-5 0,0 0 0,0 0 0,6 0 0,-10 0 0,-3 0 0,-7 0 0,-4 0 0,5 4 0,0-3 0,0 7 0,6-7 0,1 3 0,11 0 0,7 1 0,-7-3 0,1 1 0,11 4 0,-4-1 0,21-1 0,-48 2 0,-15-3 0,4 1 0,-8 2 0,7-7 0,-3 4 0,0-4 0,3 0 0,-2 0 0,3 0 0,-4 0 0,4 0 0,-5 0 0,6 0 0,-5 0 0,8 0 0,-6 0 0,13 0 0,1 0 0,8 0 0,-1 0 0,5 0 0,-11 0 0,5 0 0,-6 0 0,0 0 0,-5 0 0,4 0 0,-9 0 0,3 0 0,-8 0 0,2 0 0,-8 0 0,4 0 0,-4 0 0,0-4 0,-5 4 0,4-4 0,-7 4 0,2 0 0,1 0 0,-3 0 0,3 0 0,-4 0 0,3 0 0,-2 0 0,4 0 0,-3 0 0,-1 0 0,3 0 0,-4 0 0,-1 0 0,1 0 0,1 0 0,-1 3 0,-1 1 0,1 3 0,4 0 0,-3 4 0,7 1 0,-6-1 0,5 3 0,-2-2 0,0 3 0,3 4 0,-6-3 0,3 4 0,-4-5 0,-1 0 0,1 5 0,0-8 0,0 6 0,-4-5 0,2-2 0,-5-1 0,2 1 0,1-4 0,-4 7 0,4-2 0,-1 0 0,-2 1 0,1 0 0,-2 1 0,0-2 0,4 2 0,-3-2 0,5-1 0,-5 4 0,5-4 0,-1 4 0,3 4 0,-4-2 0,4 6 0,-3-2 0,0 3 0,-2 2 0,1-6 0,-3 4 0,2-4 0,-3 6 0,0-1 0,0 0 0,0 0 0,0 0 0,0-1 0,3-3 0,-2 3 0,3-11 0,-1 5 0,1-10 0,0 2 0,-1-4 0,-3 15 0,0 1 0,0 9 0,0 4 0,0-4 0,0 11 0,0 7 0,0 2 0,0 4 0,0-6 0,0-5 0,0 3 0,0-4 0,5 6 0,0-6 0,5 4 0,-1-9 0,1 4 0,-5-6 0,-1 1 0,-4-1 0,0-6 0,0-4 0,0-2 0,0-3 0,0-1 0,0 4 0,0-8 0,0 4 0,0-5 0,0 4 0,0-2 0,0 2 0,0-4 0,0 5 0,0-4 0,0 3 0,0-3 0,0-1 0,0 0 0,3 0 0,-2 0 0,3 0 0,-1 1 0,-2-1 0,2 0 0,-3 4 0,0-2 0,0 6 0,0-3 0,4 5 0,-3 1 0,3 3 0,-4-2 0,0 3 0,4 0 0,-2-4 0,2 3 0,-4-4 0,3 0 0,2 0 0,3-8 0,-3-2 0,1-8 0,-2-4 0,-1 9 0,0 12 0,-3 11 0,0 8 0,0-1 0,0-6 0,0 1 0,0-7 0,0 18 0,0-8 0,0 14 0,0-5 0,0-1 0,0 1 0,0-6 0,0-1 0,0-1 0,0-7 0,0 6 0,0-14 0,0 4 0,0 0 0,0-9 0,0 8 0,0-8 0,0 4 0,0-4 0,0 2 0,0-2 0,0 4 0,0 0 0,0 0 0,0 0 0,0 0 0,0-1 0,0 1 0,0 0 0,0 0 0,0 5 0,0-8 0,0 7 0,0-9 0,0 6 0,0-6 0,0 3 0,0-2 0,0 4 0,0 0 0,0-5 0,0 4 0,0-3 0,0 4 0,0-5 0,0 4 0,0-8 0,0 8 0,0-4 0,5 9 0,-4 2 0,3 5 0,-4 1 0,0 4 0,4-4 0,-3 5 0,4-6 0,-2-4 0,-2-2 0,7-5 0,-8 0 0,8 0 0,-7-1 0,3 7 0,-4-5 0,0 8 0,0-2 0,0 8 0,0-2 0,0 4 0,0-10 0,0 2 0,0-8 0,0 9 0,0-9 0,0 4 0,0 0 0,0 1 0,0 6 0,0 4 0,0-3 0,0 9 0,0-3 0,0-2 0,0 0 0,0-7 0,0 2 0,0-6 0,3-1 0,-2-5 0,7 0 0,-7-5 0,3 4 0,-4-3 0,0 9 0,0-4 0,0 19 0,0-16 0,0 17 0,0-20 0,0 4 0,0-5 0,0-1 0,0-3 0,0-2 0,0-3 0,0-1 0,0 0 0,0 0 0,0-3 0,0-2 0,0-3 0,0 0 0,0-1 0,0 20 0,0 10 0,0 21 0,0 6 0,0 0 0,0 0 0,0 1 0,0-1 0,0-7 0,0-1 0,0 7 0,0-3 0,0 5 0,0-9 0,-4-12 0,2-6 0,-2-2 0,4-8 0,-4 2 0,3-4 0,-2 0 0,3 0 0,0 0 0,0-5 0,0 4 0,0-3 0,0-1 0,0 0 0,0-1 0,0-2 0,0 2 0,0-4 0,0 0 0,0 0 0,0 1 0,0 3 0,0-3 0,0 3 0,0-3 0,0 4 0,0-5 0,0 10 0,0-5 0,0 0 0,0 5 0,0-10 0,0 10 0,0-10 0,0 9 0,0-7 0,0 2 0,0-4 0,0 0 0,0 0 0,-3-3 0,2 2 0,-6-3 0,3 5 0,0-5 0,-3-1 0,6-2 0,-4-2 0,1 1 0,-4 0 0,1 0 0,-3 3 0,-2-2 0,-3 7 0,-5-3 0,-2 0 0,-3 4 0,4-7 0,-3 3 0,-3 1 0,1-4 0,-10 4 0,4-5 0,-5 2 0,-16 2 0,17-2 0,-16 3 0,25-5 0,-4 0 0,6 1 0,3-5 0,2 4 0,5-7 0,0 3 0,-1-2 0,-4-1 0,3 6 0,-7-3 0,8 1 0,-9 2 0,9-6 0,-4 6 0,0-6 0,3 6 0,-3-7 0,4 4 0,-4 0 0,4-3 0,-4 2 0,4-3 0,-4 0 0,-1 0 0,1 0 0,-5 0 0,4 0 0,-4 0 0,-1 0 0,5 0 0,-4 0 0,5 0 0,-6 0 0,5 0 0,-3 0 0,2 0 0,-3 0 0,0 0 0,-1 0 0,-4 0 0,3 0 0,-9 0 0,9 0 0,-8 0 0,8 4 0,-3-3 0,-1 3 0,4-1 0,-9-2 0,4 3 0,-5 0 0,1-3 0,-2 7 0,1-3 0,1 0 0,-2 3 0,1-3 0,0 5 0,0-6 0,5 4 0,-3-7 0,8 6 0,-4-6 0,6 3 0,-1-4 0,1 0 0,-1 0 0,1 0 0,-1 0 0,0 0 0,1 0 0,-5 0 0,2 0 0,-2 3 0,4-2 0,1 3 0,3-4 0,2 0 0,0 0 0,4 0 0,-4 0 0,8 0 0,-2 0 0,2 0 0,0 0 0,-2 0 0,2 0 0,-3 0 0,-1 0 0,-4 0 0,4 0 0,-9 0 0,4 0 0,0 0 0,-3 0 0,7 0 0,-7 0 0,7 0 0,-8 0 0,9 0 0,-9 0 0,5 0 0,-6-4 0,5 3 0,-3-2 0,2 3 0,-4-4 0,6 3 0,-5-3 0,9 1 0,-4 3 0,8-4 0,-2 4 0,2 0 0,-4 0 0,0 0 0,4 0 0,-2 0 0,3-3 0,-5 2 0,-6-3 0,8 2 0,-8 1 0,14-2 0,-6-1 0,6 3 0,-6-2 0,6 3 0,-11 0 0,6 0 0,-7 0 0,5 0 0,-5 0 0,3 0 0,-8 0 0,9 0 0,-9 0 0,9 0 0,-4 0 0,0 0 0,3 0 0,-3 0 0,5 0 0,-1-3 0,-3 2 0,2-6 0,-8 6 0,4-6 0,0 6 0,-3-3 0,7 4 0,-7 0 0,7-2 0,-8 1 0,9-3 0,-8 4 0,7 0 0,-8-4 0,9 3 0,-9-6 0,5 6 0,-6-7 0,0 8 0,6-7 0,-5 6 0,4-6 0,0 3 0,1-1 0,5-1 0,-1 5 0,1-7 0,3 8 0,-2-7 0,6 6 0,-3-2 0,4 3 0,0 0 0,0 0 0,0 0 0,0 0 0,0 0 0,0 0 0,0 0 0,0 0 0,0 0 0,4-2 0,-6 1 0,4-2 0,-4 3 0,-2 0 0,3 3 0,-3-2 0,4 1 0,0 2 0,0-4 0,3 7 0,-1-7 0,1 2 0,-3-2 0,1 0 0,3-4 0,0-9 0,3-7 0,0-4 0,0-1 0,-8 0 0,3 5 0,-7-5 0,1 9 0,2 0 0,-2 2 0,3-2 0,0 0 0,3-8 0,-2 8 0,7-8 0,-4 4 0,0-5 0,0 0 0,-1 0 0,-3 0 0,4 4 0,-1 2 0,-2 4 0,3-5 0,-1 4 0,1-8 0,4 4 0,0-11 0,0 1 0,0-6 0,0-1 0,5-4 0,0-8 0,0 5 0,-1 1 0,-4 13 0,0 5 0,0 0 0,0-5 0,0 4 0,5-21 0,0 18 0,4-17 0,1 9 0,-1-1 0,-4 4 0,-1 0 0,-4 6 0,0-8 0,-4-27 0,-4 1 0,-8-24 0,3 7 0,-3 13 0,5-9 0,0 10 0,-1-6 0,7 0 0,0 9 0,5-1 0,0 0 0,0 6 0,0 1 0,0 14 0,-5-7 0,0 7 0,-5-2 0,0-3 0,1 14 0,-1-8 0,2 15 0,-1-3 0,5-1 0,-4 3 0,7-7 0,-7 2 0,7-4 0,-8 0 0,9-1 0,-9-17 0,-2 7 0,-1-21 0,-3 3 0,9 13 0,-5-22 0,10 46 0,-4-36 0,5 20 0,0-35 0,5-2-578,-4 35 1,-1-3 577,6-6 0,0-5 0,-2-3 0,0-3-1073,0-11 0,0-3 1073,0 2 0,-1 0 0,-3 5 0,0 1-697,0-1 1,0 2 696,0 3 0,0 2-474,0 7 0,0 1 474,0-5 0,0 4 566,0-12-566,0 21 0,0 2 0,0-6 0,2 4 0,1-2 0,-1-4 1925,4-21-1925,-6 28 1529,0-2-1529,0 1 1205,0 3-1205,0 10 417,0-5-417,0 0 0,0 4 0,0-4 0,0 6 0,0 0 0,0 14 0,0-12 0,0 12 0,0-20 0,0-1 0,0-7 0,0-19 0,0-6 0,0 28 0,0-1 0,0-5 0,0 2 0,0-26 0,0-14 0,0 26 0,0-7 0,0 3 0,0 17 0,0 4 0,0 18 0,0 0 0,0 10 0,0 0 0,0 1 0,0 7 0,0-7 0,0 8 0,0-5 0,0 5 0,0-3 0,0 6 0,0-6 0,0 6 0,0-3 0,0 5 0,0-1 0,0 0 0,-4-3 0,4 2 0,-4-7 0,4 4 0,0-8 0,0 3 0,0-4 0,0 1 0,0 2 0,0 1 0,0 2 0,0 2 0,0-2 0,0-1 0,0-5 0,0 0 0,0-1 0,0-3 0,0 8 0,0-19 0,0 17 0,0-13 0,0 16 0,0 0 0,0-1 0,0 2 0,0-1 0,0-1 0,0 1 0,0 4 0,0-4 0,4 4 0,-4-4 0,4 3 0,-4-2 0,3 7 0,-2-8 0,2 7 0,-3-6 0,3 3 0,-2-1 0,3 2 0,-4 0 0,0 1 0,0-4 0,0 1 0,0 0 0,0-2 0,0 3 0,3-5 0,1 5 0,0-3 0,2 6 0,-5-2 0,5 3 0,-5 0 0,2 0 0,-3-1 0,0-2 0,0-4 0,0-1 0,0 0 0,0-1 0,0 2 0,4 2 0,-4 2 0,3 3 0,-3 0 0,0 1 0,0-1 0,0 1 0,0-1 0,0 0 0,0 0 0,0 1 0,0-1 0,0 1 0,0-2 0,0 2 0,0-1 0,0 1 0,0-1 0,0 1 0,0-1 0,0 1 0,0-1 0,0 1 0,3 2 0,-2 1 0,2 3 0</inkml:trace>
 </inkml:ink>
 </file>
 
@@ -4609,7 +4609,7 @@
         </p:nvSpPr>
         <p:spPr>
           <a:xfrm>
-            <a:off x="1132622" y="512405"/>
+            <a:off x="1183992" y="521204"/>
             <a:ext cx="1225592" cy="369332"/>
           </a:xfrm>
           <a:prstGeom prst="rect">
@@ -4644,7 +4644,7 @@
         </p:nvGrpSpPr>
         <p:grpSpPr>
           <a:xfrm>
-            <a:off x="1783461" y="1695529"/>
+            <a:off x="1783461" y="1613337"/>
             <a:ext cx="713160" cy="2085350"/>
             <a:chOff x="1741797" y="1640403"/>
             <a:chExt cx="713160" cy="2775600"/>
@@ -4767,7 +4767,7 @@
         </p:nvSpPr>
         <p:spPr>
           <a:xfrm>
-            <a:off x="1647011" y="1301893"/>
+            <a:off x="1620658" y="1086933"/>
             <a:ext cx="889987" cy="369332"/>
           </a:xfrm>
           <a:prstGeom prst="rect">
@@ -4802,7 +4802,7 @@
         </p:nvGrpSpPr>
         <p:grpSpPr>
           <a:xfrm>
-            <a:off x="1980589" y="2892920"/>
+            <a:off x="1980589" y="2810728"/>
             <a:ext cx="342076" cy="537075"/>
             <a:chOff x="3790395" y="530559"/>
             <a:chExt cx="342076" cy="537075"/>
@@ -5498,7 +5498,7 @@
         </p:nvGrpSpPr>
         <p:grpSpPr>
           <a:xfrm>
-            <a:off x="1980589" y="1987651"/>
+            <a:off x="1980589" y="1905459"/>
             <a:ext cx="342076" cy="537075"/>
             <a:chOff x="3790395" y="530559"/>
             <a:chExt cx="342076" cy="537075"/>
@@ -6195,8 +6195,8 @@
               <p14:nvPr/>
             </p14:nvContentPartPr>
             <p14:xfrm>
-              <a:off x="846348" y="945827"/>
-              <a:ext cx="1798141" cy="3252960"/>
+              <a:off x="906238" y="945827"/>
+              <a:ext cx="1738251" cy="3019998"/>
             </p14:xfrm>
           </p:contentPart>
         </mc:Choice>
@@ -6221,8 +6221,8 @@
             </p:blipFill>
             <p:spPr>
               <a:xfrm>
-                <a:off x="828349" y="927827"/>
-                <a:ext cx="1833780" cy="3288600"/>
+                <a:off x="888240" y="927827"/>
+                <a:ext cx="1773887" cy="3055638"/>
               </a:xfrm>
               <a:prstGeom prst="rect">
                 <a:avLst/>
@@ -6245,7 +6245,7 @@
         </p:nvSpPr>
         <p:spPr>
           <a:xfrm>
-            <a:off x="3028004" y="1101637"/>
+            <a:off x="3028004" y="1086933"/>
             <a:ext cx="1477777" cy="369332"/>
           </a:xfrm>
           <a:prstGeom prst="rect">
@@ -6282,7 +6282,7 @@
         </p:nvSpPr>
         <p:spPr>
           <a:xfrm>
-            <a:off x="2739478" y="1730279"/>
+            <a:off x="2784526" y="1648087"/>
             <a:ext cx="1972638" cy="923330"/>
           </a:xfrm>
           <a:prstGeom prst="rect">
@@ -6332,7 +6332,7 @@
         </p:nvSpPr>
         <p:spPr>
           <a:xfrm>
-            <a:off x="2829574" y="2859117"/>
+            <a:off x="2784526" y="2776925"/>
             <a:ext cx="1972638" cy="646331"/>
           </a:xfrm>
           <a:prstGeom prst="rect">
@@ -6375,7 +6375,7 @@
         </p:nvSpPr>
         <p:spPr>
           <a:xfrm>
-            <a:off x="4647808" y="2429602"/>
+            <a:off x="4647808" y="2386824"/>
             <a:ext cx="1972638" cy="369332"/>
           </a:xfrm>
           <a:prstGeom prst="rect">
@@ -6411,7 +6411,7 @@
         </p:nvGrpSpPr>
         <p:grpSpPr>
           <a:xfrm>
-            <a:off x="2407437" y="3068163"/>
+            <a:off x="2407437" y="2985971"/>
             <a:ext cx="494280" cy="152640"/>
             <a:chOff x="2407437" y="3068163"/>
             <a:chExt cx="494280" cy="152640"/>
@@ -6520,8 +6520,8 @@
           </mc:Fallback>
         </mc:AlternateContent>
       </p:grpSp>
-      <mc:AlternateContent xmlns:mc="http://schemas.openxmlformats.org/markup-compatibility/2006" xmlns:p14="http://schemas.microsoft.com/office/powerpoint/2010/main">
-        <mc:Choice Requires="p14">
+      <mc:AlternateContent xmlns:mc="http://schemas.openxmlformats.org/markup-compatibility/2006">
+        <mc:Choice xmlns:p14="http://schemas.microsoft.com/office/powerpoint/2010/main" Requires="p14">
           <p:contentPart p14:bwMode="auto" r:id="rId42">
             <p14:nvContentPartPr>
               <p14:cNvPr id="153" name="Ink 152">
@@ -6535,12 +6535,12 @@
               <p14:nvPr/>
             </p14:nvContentPartPr>
             <p14:xfrm>
-              <a:off x="3043917" y="2826465"/>
+              <a:off x="3043917" y="2744273"/>
               <a:ext cx="1574280" cy="750240"/>
             </p14:xfrm>
           </p:contentPart>
         </mc:Choice>
-        <mc:Fallback xmlns="">
+        <mc:Fallback>
           <p:pic>
             <p:nvPicPr>
               <p:cNvPr id="153" name="Ink 152">
@@ -6561,8 +6561,8 @@
             </p:blipFill>
             <p:spPr>
               <a:xfrm>
-                <a:off x="3025917" y="2808465"/>
-                <a:ext cx="1609920" cy="785880"/>
+                <a:off x="3025921" y="2726273"/>
+                <a:ext cx="1609912" cy="785880"/>
               </a:xfrm>
               <a:prstGeom prst="rect">
                 <a:avLst/>
@@ -6571,8 +6571,8 @@
           </p:pic>
         </mc:Fallback>
       </mc:AlternateContent>
-      <mc:AlternateContent xmlns:mc="http://schemas.openxmlformats.org/markup-compatibility/2006" xmlns:p14="http://schemas.microsoft.com/office/powerpoint/2010/main">
-        <mc:Choice Requires="p14">
+      <mc:AlternateContent xmlns:mc="http://schemas.openxmlformats.org/markup-compatibility/2006">
+        <mc:Choice xmlns:p14="http://schemas.microsoft.com/office/powerpoint/2010/main" Requires="p14">
           <p:contentPart p14:bwMode="auto" r:id="rId44">
             <p14:nvContentPartPr>
               <p14:cNvPr id="156" name="Ink 155">
@@ -6586,12 +6586,12 @@
               <p14:nvPr/>
             </p14:nvContentPartPr>
             <p14:xfrm>
-              <a:off x="5066757" y="2330523"/>
+              <a:off x="5066757" y="2248331"/>
               <a:ext cx="1153800" cy="627480"/>
             </p14:xfrm>
           </p:contentPart>
         </mc:Choice>
-        <mc:Fallback xmlns="">
+        <mc:Fallback>
           <p:pic>
             <p:nvPicPr>
               <p:cNvPr id="156" name="Ink 155">
@@ -6612,8 +6612,8 @@
             </p:blipFill>
             <p:spPr>
               <a:xfrm>
-                <a:off x="5049117" y="2312523"/>
-                <a:ext cx="1189440" cy="663120"/>
+                <a:off x="5048751" y="2230341"/>
+                <a:ext cx="1189451" cy="663100"/>
               </a:xfrm>
               <a:prstGeom prst="rect">
                 <a:avLst/>
@@ -6622,8 +6622,8 @@
           </p:pic>
         </mc:Fallback>
       </mc:AlternateContent>
-      <mc:AlternateContent xmlns:mc="http://schemas.openxmlformats.org/markup-compatibility/2006" xmlns:p14="http://schemas.microsoft.com/office/powerpoint/2010/main">
-        <mc:Choice Requires="p14">
+      <mc:AlternateContent xmlns:mc="http://schemas.openxmlformats.org/markup-compatibility/2006">
+        <mc:Choice xmlns:p14="http://schemas.microsoft.com/office/powerpoint/2010/main" Requires="p14">
           <p:contentPart p14:bwMode="auto" r:id="rId46">
             <p14:nvContentPartPr>
               <p14:cNvPr id="159" name="Ink 158">
@@ -6637,12 +6637,12 @@
               <p14:nvPr/>
             </p14:nvContentPartPr>
             <p14:xfrm>
-              <a:off x="2997837" y="1789083"/>
+              <a:off x="2997837" y="1706891"/>
               <a:ext cx="360" cy="360"/>
             </p14:xfrm>
           </p:contentPart>
         </mc:Choice>
-        <mc:Fallback xmlns="">
+        <mc:Fallback>
           <p:pic>
             <p:nvPicPr>
               <p:cNvPr id="159" name="Ink 158">
@@ -6663,7 +6663,7 @@
             </p:blipFill>
             <p:spPr>
               <a:xfrm>
-                <a:off x="2979837" y="1771443"/>
+                <a:off x="2979837" y="1688891"/>
                 <a:ext cx="36000" cy="36000"/>
               </a:xfrm>
               <a:prstGeom prst="rect">
@@ -6673,8 +6673,8 @@
           </p:pic>
         </mc:Fallback>
       </mc:AlternateContent>
-      <mc:AlternateContent xmlns:mc="http://schemas.openxmlformats.org/markup-compatibility/2006" xmlns:p14="http://schemas.microsoft.com/office/powerpoint/2010/main">
-        <mc:Choice Requires="p14">
+      <mc:AlternateContent xmlns:mc="http://schemas.openxmlformats.org/markup-compatibility/2006">
+        <mc:Choice xmlns:p14="http://schemas.microsoft.com/office/powerpoint/2010/main" Requires="p14">
           <p:contentPart p14:bwMode="auto" r:id="rId48">
             <p14:nvContentPartPr>
               <p14:cNvPr id="160" name="Ink 159">
@@ -6688,12 +6688,12 @@
               <p14:nvPr/>
             </p14:nvContentPartPr>
             <p14:xfrm>
-              <a:off x="2997837" y="1723203"/>
+              <a:off x="2997837" y="1641011"/>
               <a:ext cx="1534320" cy="901080"/>
             </p14:xfrm>
           </p:contentPart>
         </mc:Choice>
-        <mc:Fallback xmlns="">
+        <mc:Fallback>
           <p:pic>
             <p:nvPicPr>
               <p:cNvPr id="160" name="Ink 159">
@@ -6714,7 +6714,7 @@
             </p:blipFill>
             <p:spPr>
               <a:xfrm>
-                <a:off x="2979837" y="1705563"/>
+                <a:off x="2979837" y="1623011"/>
                 <a:ext cx="1569960" cy="936720"/>
               </a:xfrm>
               <a:prstGeom prst="rect">
@@ -6724,8 +6724,8 @@
           </p:pic>
         </mc:Fallback>
       </mc:AlternateContent>
-      <mc:AlternateContent xmlns:mc="http://schemas.openxmlformats.org/markup-compatibility/2006" xmlns:p14="http://schemas.microsoft.com/office/powerpoint/2010/main">
-        <mc:Choice Requires="p14">
+      <mc:AlternateContent xmlns:mc="http://schemas.openxmlformats.org/markup-compatibility/2006">
+        <mc:Choice xmlns:p14="http://schemas.microsoft.com/office/powerpoint/2010/main" Requires="p14">
           <p:contentPart p14:bwMode="auto" r:id="rId50">
             <p14:nvContentPartPr>
               <p14:cNvPr id="164" name="Ink 163">
@@ -6739,12 +6739,12 @@
               <p14:nvPr/>
             </p14:nvContentPartPr>
             <p14:xfrm>
-              <a:off x="3040677" y="2653083"/>
+              <a:off x="3040677" y="2570891"/>
               <a:ext cx="1486440" cy="12960"/>
             </p14:xfrm>
           </p:contentPart>
         </mc:Choice>
-        <mc:Fallback xmlns="">
+        <mc:Fallback>
           <p:pic>
             <p:nvPicPr>
               <p:cNvPr id="164" name="Ink 163">
@@ -6765,8 +6765,8 @@
             </p:blipFill>
             <p:spPr>
               <a:xfrm>
-                <a:off x="3022677" y="2635443"/>
-                <a:ext cx="1522080" cy="48600"/>
+                <a:off x="3022677" y="2552377"/>
+                <a:ext cx="1522080" cy="49618"/>
               </a:xfrm>
               <a:prstGeom prst="rect">
                 <a:avLst/>
@@ -6789,7 +6789,7 @@
         </p:nvGrpSpPr>
         <p:grpSpPr>
           <a:xfrm>
-            <a:off x="2391957" y="1828323"/>
+            <a:off x="2391957" y="1746131"/>
             <a:ext cx="622080" cy="858240"/>
             <a:chOff x="2391957" y="1828323"/>
             <a:chExt cx="622080" cy="858240"/>
@@ -6963,7 +6963,7 @@
         </p:nvGrpSpPr>
         <p:grpSpPr>
           <a:xfrm>
-            <a:off x="4644477" y="2165643"/>
+            <a:off x="4644477" y="2083451"/>
             <a:ext cx="307080" cy="993960"/>
             <a:chOff x="4644477" y="2165643"/>
             <a:chExt cx="307080" cy="993960"/>
@@ -7239,7 +7239,7 @@
         </p:nvSpPr>
         <p:spPr>
           <a:xfrm>
-            <a:off x="3411743" y="530004"/>
+            <a:off x="3411743" y="521204"/>
             <a:ext cx="2152293" cy="369332"/>
           </a:xfrm>
           <a:prstGeom prst="rect">
@@ -7277,14 +7277,14 @@
         </p:nvGrpSpPr>
         <p:grpSpPr>
           <a:xfrm rot="16200000">
-            <a:off x="381647" y="2422983"/>
+            <a:off x="381647" y="2248325"/>
             <a:ext cx="1914120" cy="646331"/>
             <a:chOff x="2969933" y="1002549"/>
             <a:chExt cx="1914120" cy="646331"/>
           </a:xfrm>
         </p:grpSpPr>
-        <mc:AlternateContent xmlns:mc="http://schemas.openxmlformats.org/markup-compatibility/2006" xmlns:p14="http://schemas.microsoft.com/office/powerpoint/2010/main">
-          <mc:Choice Requires="p14">
+        <mc:AlternateContent xmlns:mc="http://schemas.openxmlformats.org/markup-compatibility/2006">
+          <mc:Choice xmlns:p14="http://schemas.microsoft.com/office/powerpoint/2010/main" Requires="p14">
             <p:contentPart p14:bwMode="auto" r:id="rId68">
               <p14:nvContentPartPr>
                 <p14:cNvPr id="183" name="Ink 182">
@@ -7298,12 +7298,12 @@
                 <p14:nvPr/>
               </p14:nvContentPartPr>
               <p14:xfrm>
-                <a:off x="2969933" y="1401785"/>
+                <a:off x="2969933" y="1401799"/>
                 <a:ext cx="1914120" cy="239760"/>
               </p14:xfrm>
             </p:contentPart>
           </mc:Choice>
-          <mc:Fallback xmlns="">
+          <mc:Fallback>
             <p:pic>
               <p:nvPicPr>
                 <p:cNvPr id="183" name="Ink 182">
@@ -7317,15 +7317,15 @@
                 <p:nvPr/>
               </p:nvPicPr>
               <p:blipFill>
-                <a:blip r:embed="rId3"/>
+                <a:blip r:embed="rId69"/>
                 <a:stretch>
                   <a:fillRect/>
                 </a:stretch>
               </p:blipFill>
               <p:spPr>
                 <a:xfrm>
-                  <a:off x="2960573" y="1392425"/>
-                  <a:ext cx="1932840" cy="258480"/>
+                  <a:off x="2960571" y="1392439"/>
+                  <a:ext cx="1932844" cy="258480"/>
                 </a:xfrm>
                 <a:prstGeom prst="rect">
                   <a:avLst/>
@@ -7373,115 +7373,94 @@
           </p:txBody>
         </p:sp>
       </p:grpSp>
-      <p:grpSp>
-        <p:nvGrpSpPr>
-          <p:cNvPr id="188" name="Group 187">
+      <mc:AlternateContent xmlns:mc="http://schemas.openxmlformats.org/markup-compatibility/2006">
+        <mc:Choice xmlns:p14="http://schemas.microsoft.com/office/powerpoint/2010/main" Requires="p14">
+          <p:contentPart p14:bwMode="auto" r:id="rId70">
+            <p14:nvContentPartPr>
+              <p14:cNvPr id="186" name="Ink 185">
+                <a:extLst>
+                  <a:ext uri="{FF2B5EF4-FFF2-40B4-BE49-F238E27FC236}">
+                    <a16:creationId xmlns:a16="http://schemas.microsoft.com/office/drawing/2014/main" id="{F602DFA0-C5A4-2A54-9E4E-CA63EA3A3C26}"/>
+                  </a:ext>
+                </a:extLst>
+              </p14:cNvPr>
+              <p14:cNvContentPartPr/>
+              <p14:nvPr/>
+            </p14:nvContentPartPr>
+            <p14:xfrm>
+              <a:off x="4927169" y="1201400"/>
+              <a:ext cx="1371600" cy="239760"/>
+            </p14:xfrm>
+          </p:contentPart>
+        </mc:Choice>
+        <mc:Fallback>
+          <p:pic>
+            <p:nvPicPr>
+              <p:cNvPr id="186" name="Ink 185">
+                <a:extLst>
+                  <a:ext uri="{FF2B5EF4-FFF2-40B4-BE49-F238E27FC236}">
+                    <a16:creationId xmlns:a16="http://schemas.microsoft.com/office/drawing/2014/main" id="{F602DFA0-C5A4-2A54-9E4E-CA63EA3A3C26}"/>
+                  </a:ext>
+                </a:extLst>
+              </p:cNvPr>
+              <p:cNvPicPr/>
+              <p:nvPr/>
+            </p:nvPicPr>
+            <p:blipFill>
+              <a:blip r:embed="rId71"/>
+              <a:stretch>
+                <a:fillRect/>
+              </a:stretch>
+            </p:blipFill>
+            <p:spPr>
+              <a:xfrm>
+                <a:off x="4917811" y="1192040"/>
+                <a:ext cx="1390315" cy="258480"/>
+              </a:xfrm>
+              <a:prstGeom prst="rect">
+                <a:avLst/>
+              </a:prstGeom>
+            </p:spPr>
+          </p:pic>
+        </mc:Fallback>
+      </mc:AlternateContent>
+      <p:sp>
+        <p:nvSpPr>
+          <p:cNvPr id="187" name="TextBox 186">
             <a:extLst>
               <a:ext uri="{FF2B5EF4-FFF2-40B4-BE49-F238E27FC236}">
-                <a16:creationId xmlns:a16="http://schemas.microsoft.com/office/drawing/2014/main" id="{EFABDB71-A8FE-E55E-7A3F-C2DF68D6035E}"/>
+                <a16:creationId xmlns:a16="http://schemas.microsoft.com/office/drawing/2014/main" id="{831C0D41-5B55-047C-10A4-508A223D665B}"/>
               </a:ext>
             </a:extLst>
           </p:cNvPr>
-          <p:cNvGrpSpPr/>
+          <p:cNvSpPr txBox="1"/>
           <p:nvPr/>
-        </p:nvGrpSpPr>
-        <p:grpSpPr>
+        </p:nvSpPr>
+        <p:spPr>
           <a:xfrm>
-            <a:off x="4927169" y="1053652"/>
-            <a:ext cx="1371600" cy="387508"/>
-            <a:chOff x="4902117" y="1066178"/>
-            <a:chExt cx="1371600" cy="387508"/>
+            <a:off x="5087536" y="1086933"/>
+            <a:ext cx="1025281" cy="369332"/>
           </a:xfrm>
-        </p:grpSpPr>
-        <mc:AlternateContent xmlns:mc="http://schemas.openxmlformats.org/markup-compatibility/2006" xmlns:p14="http://schemas.microsoft.com/office/powerpoint/2010/main">
-          <mc:Choice Requires="p14">
-            <p:contentPart p14:bwMode="auto" r:id="rId69">
-              <p14:nvContentPartPr>
-                <p14:cNvPr id="186" name="Ink 185">
-                  <a:extLst>
-                    <a:ext uri="{FF2B5EF4-FFF2-40B4-BE49-F238E27FC236}">
-                      <a16:creationId xmlns:a16="http://schemas.microsoft.com/office/drawing/2014/main" id="{F602DFA0-C5A4-2A54-9E4E-CA63EA3A3C26}"/>
-                    </a:ext>
-                  </a:extLst>
-                </p14:cNvPr>
-                <p14:cNvContentPartPr/>
-                <p14:nvPr/>
-              </p14:nvContentPartPr>
-              <p14:xfrm>
-                <a:off x="4902117" y="1213926"/>
-                <a:ext cx="1371600" cy="239760"/>
-              </p14:xfrm>
-            </p:contentPart>
-          </mc:Choice>
-          <mc:Fallback xmlns="">
-            <p:pic>
-              <p:nvPicPr>
-                <p:cNvPr id="186" name="Ink 185">
-                  <a:extLst>
-                    <a:ext uri="{FF2B5EF4-FFF2-40B4-BE49-F238E27FC236}">
-                      <a16:creationId xmlns:a16="http://schemas.microsoft.com/office/drawing/2014/main" id="{F602DFA0-C5A4-2A54-9E4E-CA63EA3A3C26}"/>
-                    </a:ext>
-                  </a:extLst>
-                </p:cNvPr>
-                <p:cNvPicPr/>
-                <p:nvPr/>
-              </p:nvPicPr>
-              <p:blipFill>
-                <a:blip r:embed="rId70"/>
-                <a:stretch>
-                  <a:fillRect/>
-                </a:stretch>
-              </p:blipFill>
-              <p:spPr>
-                <a:xfrm>
-                  <a:off x="4892757" y="1204566"/>
-                  <a:ext cx="1390320" cy="258480"/>
-                </a:xfrm>
-                <a:prstGeom prst="rect">
-                  <a:avLst/>
-                </a:prstGeom>
-              </p:spPr>
-            </p:pic>
-          </mc:Fallback>
-        </mc:AlternateContent>
-        <p:sp>
-          <p:nvSpPr>
-            <p:cNvPr id="187" name="TextBox 186">
-              <a:extLst>
-                <a:ext uri="{FF2B5EF4-FFF2-40B4-BE49-F238E27FC236}">
-                  <a16:creationId xmlns:a16="http://schemas.microsoft.com/office/drawing/2014/main" id="{831C0D41-5B55-047C-10A4-508A223D665B}"/>
-                </a:ext>
-              </a:extLst>
-            </p:cNvPr>
-            <p:cNvSpPr txBox="1"/>
-            <p:nvPr/>
-          </p:nvSpPr>
-          <p:spPr>
-            <a:xfrm>
-              <a:off x="5062484" y="1066178"/>
-              <a:ext cx="1025281" cy="369332"/>
-            </a:xfrm>
-            <a:prstGeom prst="rect">
-              <a:avLst/>
-            </a:prstGeom>
-            <a:solidFill>
-              <a:schemeClr val="bg1"/>
-            </a:solidFill>
-          </p:spPr>
-          <p:txBody>
-            <a:bodyPr wrap="none" rtlCol="0">
-              <a:spAutoFit/>
-            </a:bodyPr>
-            <a:lstStyle/>
-            <a:p>
-              <a:r>
-                <a:rPr lang="en-US" b="1" dirty="0"/>
-                <a:t>Measure</a:t>
-              </a:r>
-            </a:p>
-          </p:txBody>
-        </p:sp>
-      </p:grpSp>
+          <a:prstGeom prst="rect">
+            <a:avLst/>
+          </a:prstGeom>
+          <a:solidFill>
+            <a:schemeClr val="bg1"/>
+          </a:solidFill>
+        </p:spPr>
+        <p:txBody>
+          <a:bodyPr wrap="none" rtlCol="0">
+            <a:spAutoFit/>
+          </a:bodyPr>
+          <a:lstStyle/>
+          <a:p>
+            <a:r>
+              <a:rPr lang="en-US" b="1" dirty="0"/>
+              <a:t>Measure</a:t>
+            </a:r>
+          </a:p>
+        </p:txBody>
+      </p:sp>
     </p:spTree>
     <p:extLst>
       <p:ext uri="{BB962C8B-B14F-4D97-AF65-F5344CB8AC3E}">
